--- a/IntroductionToSoftwareTesting/softwareTestingPresentation.pptx
+++ b/IntroductionToSoftwareTesting/softwareTestingPresentation.pptx
@@ -365,7 +365,7 @@
           <a:p>
             <a:fld id="{9184DA70-C731-4C70-880D-CCD4705E623C}" type="datetime1">
               <a:rPr lang="en-US" smtClean="0"/>
-              <a:t>2/11/2023</a:t>
+              <a:t>2/12/2023</a:t>
             </a:fld>
             <a:endParaRPr lang="en-US" dirty="0"/>
           </a:p>
@@ -553,7 +553,7 @@
           <a:p>
             <a:fld id="{B612A279-0833-481D-8C56-F67FD0AC6C50}" type="datetime1">
               <a:rPr lang="en-US" smtClean="0"/>
-              <a:t>2/11/2023</a:t>
+              <a:t>2/12/2023</a:t>
             </a:fld>
             <a:endParaRPr lang="en-US" dirty="0"/>
           </a:p>
@@ -795,7 +795,7 @@
           <a:p>
             <a:fld id="{6587DA83-5663-4C9C-B9AA-0B40A3DAFF81}" type="datetime1">
               <a:rPr lang="en-US" smtClean="0"/>
-              <a:t>2/11/2023</a:t>
+              <a:t>2/12/2023</a:t>
             </a:fld>
             <a:endParaRPr lang="en-US" dirty="0"/>
           </a:p>
@@ -983,7 +983,7 @@
           <a:p>
             <a:fld id="{4BE1D723-8F53-4F53-90B0-1982A396982E}" type="datetime1">
               <a:rPr lang="en-US" smtClean="0"/>
-              <a:t>2/11/2023</a:t>
+              <a:t>2/12/2023</a:t>
             </a:fld>
             <a:endParaRPr lang="en-US" dirty="0"/>
           </a:p>
@@ -1356,7 +1356,7 @@
           <a:p>
             <a:fld id="{97669AF7-7BEB-44E4-9852-375E34362B5B}" type="datetime1">
               <a:rPr lang="en-US" smtClean="0"/>
-              <a:t>2/11/2023</a:t>
+              <a:t>2/12/2023</a:t>
             </a:fld>
             <a:endParaRPr lang="en-US" dirty="0"/>
           </a:p>
@@ -1611,7 +1611,7 @@
           <a:p>
             <a:fld id="{BAAAC38D-0552-4C82-B593-E6124DFADBE2}" type="datetime1">
               <a:rPr lang="en-US" smtClean="0"/>
-              <a:t>2/11/2023</a:t>
+              <a:t>2/12/2023</a:t>
             </a:fld>
             <a:endParaRPr lang="en-US" dirty="0"/>
           </a:p>
@@ -2008,7 +2008,7 @@
           <a:p>
             <a:fld id="{D9DF0F1C-5577-4ACB-BB62-DF8F3C494C7E}" type="datetime1">
               <a:rPr lang="en-US" smtClean="0"/>
-              <a:t>2/11/2023</a:t>
+              <a:t>2/12/2023</a:t>
             </a:fld>
             <a:endParaRPr lang="en-US" dirty="0"/>
           </a:p>
@@ -2144,7 +2144,7 @@
           <a:p>
             <a:fld id="{1775B394-D9F9-4F0C-B15D-605F45CB9E9F}" type="datetime1">
               <a:rPr lang="en-US" smtClean="0"/>
-              <a:t>2/11/2023</a:t>
+              <a:t>2/12/2023</a:t>
             </a:fld>
             <a:endParaRPr lang="en-US" dirty="0"/>
           </a:p>
@@ -2301,7 +2301,7 @@
           <a:p>
             <a:fld id="{39667345-2558-425A-8533-9BFDBCE15005}" type="datetime1">
               <a:rPr lang="en-US" smtClean="0"/>
-              <a:t>2/11/2023</a:t>
+              <a:t>2/12/2023</a:t>
             </a:fld>
             <a:endParaRPr lang="en-US" dirty="0"/>
           </a:p>
@@ -2630,7 +2630,7 @@
           <a:p>
             <a:fld id="{92BEA474-078D-4E9B-9B14-09A87B19DC46}" type="datetime1">
               <a:rPr lang="en-US" smtClean="0"/>
-              <a:t>2/11/2023</a:t>
+              <a:t>2/12/2023</a:t>
             </a:fld>
             <a:endParaRPr lang="en-US" dirty="0"/>
           </a:p>
@@ -2980,7 +2980,7 @@
           <a:p>
             <a:fld id="{4907D986-8816-4272-A432-0437A28A9828}" type="datetime1">
               <a:rPr lang="en-US" smtClean="0"/>
-              <a:t>2/11/2023</a:t>
+              <a:t>2/12/2023</a:t>
             </a:fld>
             <a:endParaRPr lang="en-US" dirty="0"/>
           </a:p>
@@ -3241,7 +3241,7 @@
           <a:p>
             <a:fld id="{62D6E202-B606-4609-B914-27C9371A1F6D}" type="datetime1">
               <a:rPr lang="en-US" smtClean="0"/>
-              <a:t>2/11/2023</a:t>
+              <a:t>2/12/2023</a:t>
             </a:fld>
             <a:endParaRPr lang="en-US" dirty="0"/>
           </a:p>
@@ -4554,38 +4554,6 @@
       </p:grpSpPr>
       <p:sp>
         <p:nvSpPr>
-          <p:cNvPr id="2" name="Title 1">
-            <a:extLst>
-              <a:ext uri="{FF2B5EF4-FFF2-40B4-BE49-F238E27FC236}">
-                <a16:creationId xmlns:a16="http://schemas.microsoft.com/office/drawing/2014/main" id="{86920EFA-ADDA-BB79-4D06-EA95F31EAC48}"/>
-              </a:ext>
-            </a:extLst>
-          </p:cNvPr>
-          <p:cNvSpPr>
-            <a:spLocks noGrp="1"/>
-          </p:cNvSpPr>
-          <p:nvPr>
-            <p:ph type="title"/>
-          </p:nvPr>
-        </p:nvSpPr>
-        <p:spPr>
-          <a:xfrm>
-            <a:off x="1967344" y="286604"/>
-            <a:ext cx="9188335" cy="350706"/>
-          </a:xfrm>
-        </p:spPr>
-        <p:txBody>
-          <a:bodyPr>
-            <a:normAutofit fontScale="90000"/>
-          </a:bodyPr>
-          <a:lstStyle/>
-          <a:p>
-            <a:endParaRPr lang="en-IN" dirty="0"/>
-          </a:p>
-        </p:txBody>
-      </p:sp>
-      <p:sp>
-        <p:nvSpPr>
           <p:cNvPr id="3" name="Content Placeholder 2">
             <a:extLst>
               <a:ext uri="{FF2B5EF4-FFF2-40B4-BE49-F238E27FC236}">
